--- a/01 - GettingStarted/02 User interface.pptx
+++ b/01 - GettingStarted/02 User interface.pptx
@@ -271,7 +271,7 @@
           <a:p>
             <a:fld id="{E916F367-2305-4E6C-9F9E-DC2F4BC41EF5}" type="datetimeFigureOut">
               <a:rPr lang="en-GB" smtClean="0"/>
-              <a:t>03/12/2023</a:t>
+              <a:t>01/02/2024</a:t>
             </a:fld>
             <a:endParaRPr lang="en-GB"/>
           </a:p>
@@ -471,7 +471,7 @@
           <a:p>
             <a:fld id="{E916F367-2305-4E6C-9F9E-DC2F4BC41EF5}" type="datetimeFigureOut">
               <a:rPr lang="en-GB" smtClean="0"/>
-              <a:t>03/12/2023</a:t>
+              <a:t>01/02/2024</a:t>
             </a:fld>
             <a:endParaRPr lang="en-GB"/>
           </a:p>
@@ -681,7 +681,7 @@
           <a:p>
             <a:fld id="{E916F367-2305-4E6C-9F9E-DC2F4BC41EF5}" type="datetimeFigureOut">
               <a:rPr lang="en-GB" smtClean="0"/>
-              <a:t>03/12/2023</a:t>
+              <a:t>01/02/2024</a:t>
             </a:fld>
             <a:endParaRPr lang="en-GB"/>
           </a:p>
@@ -903,7 +903,7 @@
           <a:p>
             <a:fld id="{E916F367-2305-4E6C-9F9E-DC2F4BC41EF5}" type="datetimeFigureOut">
               <a:rPr lang="en-GB" smtClean="0"/>
-              <a:t>03/12/2023</a:t>
+              <a:t>01/02/2024</a:t>
             </a:fld>
             <a:endParaRPr lang="en-GB"/>
           </a:p>
@@ -1108,7 +1108,7 @@
           <a:p>
             <a:fld id="{E916F367-2305-4E6C-9F9E-DC2F4BC41EF5}" type="datetimeFigureOut">
               <a:rPr lang="en-GB" smtClean="0"/>
-              <a:t>03/12/2023</a:t>
+              <a:t>01/02/2024</a:t>
             </a:fld>
             <a:endParaRPr lang="en-GB"/>
           </a:p>
@@ -1384,7 +1384,7 @@
           <a:p>
             <a:fld id="{E916F367-2305-4E6C-9F9E-DC2F4BC41EF5}" type="datetimeFigureOut">
               <a:rPr lang="en-GB" smtClean="0"/>
-              <a:t>03/12/2023</a:t>
+              <a:t>01/02/2024</a:t>
             </a:fld>
             <a:endParaRPr lang="en-GB"/>
           </a:p>
@@ -1652,7 +1652,7 @@
           <a:p>
             <a:fld id="{E916F367-2305-4E6C-9F9E-DC2F4BC41EF5}" type="datetimeFigureOut">
               <a:rPr lang="en-GB" smtClean="0"/>
-              <a:t>03/12/2023</a:t>
+              <a:t>01/02/2024</a:t>
             </a:fld>
             <a:endParaRPr lang="en-GB"/>
           </a:p>
@@ -2067,7 +2067,7 @@
           <a:p>
             <a:fld id="{E916F367-2305-4E6C-9F9E-DC2F4BC41EF5}" type="datetimeFigureOut">
               <a:rPr lang="en-GB" smtClean="0"/>
-              <a:t>03/12/2023</a:t>
+              <a:t>01/02/2024</a:t>
             </a:fld>
             <a:endParaRPr lang="en-GB"/>
           </a:p>
@@ -2209,7 +2209,7 @@
           <a:p>
             <a:fld id="{E916F367-2305-4E6C-9F9E-DC2F4BC41EF5}" type="datetimeFigureOut">
               <a:rPr lang="en-GB" smtClean="0"/>
-              <a:t>03/12/2023</a:t>
+              <a:t>01/02/2024</a:t>
             </a:fld>
             <a:endParaRPr lang="en-GB"/>
           </a:p>
@@ -2322,7 +2322,7 @@
           <a:p>
             <a:fld id="{E916F367-2305-4E6C-9F9E-DC2F4BC41EF5}" type="datetimeFigureOut">
               <a:rPr lang="en-GB" smtClean="0"/>
-              <a:t>03/12/2023</a:t>
+              <a:t>01/02/2024</a:t>
             </a:fld>
             <a:endParaRPr lang="en-GB"/>
           </a:p>
@@ -2635,7 +2635,7 @@
           <a:p>
             <a:fld id="{E916F367-2305-4E6C-9F9E-DC2F4BC41EF5}" type="datetimeFigureOut">
               <a:rPr lang="en-GB" smtClean="0"/>
-              <a:t>03/12/2023</a:t>
+              <a:t>01/02/2024</a:t>
             </a:fld>
             <a:endParaRPr lang="en-GB"/>
           </a:p>
@@ -2835,7 +2835,7 @@
           <a:p>
             <a:fld id="{E916F367-2305-4E6C-9F9E-DC2F4BC41EF5}" type="datetimeFigureOut">
               <a:rPr lang="en-GB" smtClean="0"/>
-              <a:t>03/12/2023</a:t>
+              <a:t>01/02/2024</a:t>
             </a:fld>
             <a:endParaRPr lang="en-GB"/>
           </a:p>
@@ -3124,7 +3124,7 @@
           <a:p>
             <a:fld id="{E916F367-2305-4E6C-9F9E-DC2F4BC41EF5}" type="datetimeFigureOut">
               <a:rPr lang="en-GB" smtClean="0"/>
-              <a:t>03/12/2023</a:t>
+              <a:t>01/02/2024</a:t>
             </a:fld>
             <a:endParaRPr lang="en-GB"/>
           </a:p>
@@ -3324,7 +3324,7 @@
           <a:p>
             <a:fld id="{E916F367-2305-4E6C-9F9E-DC2F4BC41EF5}" type="datetimeFigureOut">
               <a:rPr lang="en-GB" smtClean="0"/>
-              <a:t>03/12/2023</a:t>
+              <a:t>01/02/2024</a:t>
             </a:fld>
             <a:endParaRPr lang="en-GB"/>
           </a:p>
@@ -3534,7 +3534,7 @@
           <a:p>
             <a:fld id="{E916F367-2305-4E6C-9F9E-DC2F4BC41EF5}" type="datetimeFigureOut">
               <a:rPr lang="en-GB" smtClean="0"/>
-              <a:t>03/12/2023</a:t>
+              <a:t>01/02/2024</a:t>
             </a:fld>
             <a:endParaRPr lang="en-GB"/>
           </a:p>
@@ -3810,7 +3810,7 @@
           <a:p>
             <a:fld id="{E916F367-2305-4E6C-9F9E-DC2F4BC41EF5}" type="datetimeFigureOut">
               <a:rPr lang="en-GB" smtClean="0"/>
-              <a:t>03/12/2023</a:t>
+              <a:t>01/02/2024</a:t>
             </a:fld>
             <a:endParaRPr lang="en-GB"/>
           </a:p>
@@ -4078,7 +4078,7 @@
           <a:p>
             <a:fld id="{E916F367-2305-4E6C-9F9E-DC2F4BC41EF5}" type="datetimeFigureOut">
               <a:rPr lang="en-GB" smtClean="0"/>
-              <a:t>03/12/2023</a:t>
+              <a:t>01/02/2024</a:t>
             </a:fld>
             <a:endParaRPr lang="en-GB"/>
           </a:p>
@@ -4493,7 +4493,7 @@
           <a:p>
             <a:fld id="{E916F367-2305-4E6C-9F9E-DC2F4BC41EF5}" type="datetimeFigureOut">
               <a:rPr lang="en-GB" smtClean="0"/>
-              <a:t>03/12/2023</a:t>
+              <a:t>01/02/2024</a:t>
             </a:fld>
             <a:endParaRPr lang="en-GB"/>
           </a:p>
@@ -4635,7 +4635,7 @@
           <a:p>
             <a:fld id="{E916F367-2305-4E6C-9F9E-DC2F4BC41EF5}" type="datetimeFigureOut">
               <a:rPr lang="en-GB" smtClean="0"/>
-              <a:t>03/12/2023</a:t>
+              <a:t>01/02/2024</a:t>
             </a:fld>
             <a:endParaRPr lang="en-GB"/>
           </a:p>
@@ -4748,7 +4748,7 @@
           <a:p>
             <a:fld id="{E916F367-2305-4E6C-9F9E-DC2F4BC41EF5}" type="datetimeFigureOut">
               <a:rPr lang="en-GB" smtClean="0"/>
-              <a:t>03/12/2023</a:t>
+              <a:t>01/02/2024</a:t>
             </a:fld>
             <a:endParaRPr lang="en-GB"/>
           </a:p>
@@ -5061,7 +5061,7 @@
           <a:p>
             <a:fld id="{E916F367-2305-4E6C-9F9E-DC2F4BC41EF5}" type="datetimeFigureOut">
               <a:rPr lang="en-GB" smtClean="0"/>
-              <a:t>03/12/2023</a:t>
+              <a:t>01/02/2024</a:t>
             </a:fld>
             <a:endParaRPr lang="en-GB"/>
           </a:p>
@@ -5350,7 +5350,7 @@
           <a:p>
             <a:fld id="{E916F367-2305-4E6C-9F9E-DC2F4BC41EF5}" type="datetimeFigureOut">
               <a:rPr lang="en-GB" smtClean="0"/>
-              <a:t>03/12/2023</a:t>
+              <a:t>01/02/2024</a:t>
             </a:fld>
             <a:endParaRPr lang="en-GB"/>
           </a:p>
@@ -5593,7 +5593,7 @@
           <a:p>
             <a:fld id="{E916F367-2305-4E6C-9F9E-DC2F4BC41EF5}" type="datetimeFigureOut">
               <a:rPr lang="en-GB" smtClean="0"/>
-              <a:t>03/12/2023</a:t>
+              <a:t>01/02/2024</a:t>
             </a:fld>
             <a:endParaRPr lang="en-GB"/>
           </a:p>
@@ -6163,7 +6163,7 @@
           <a:p>
             <a:fld id="{E916F367-2305-4E6C-9F9E-DC2F4BC41EF5}" type="datetimeFigureOut">
               <a:rPr lang="en-GB" smtClean="0"/>
-              <a:t>03/12/2023</a:t>
+              <a:t>01/02/2024</a:t>
             </a:fld>
             <a:endParaRPr lang="en-GB"/>
           </a:p>
@@ -6799,7 +6799,7 @@
         </p:nvSpPr>
         <p:spPr>
           <a:xfrm>
-            <a:off x="460229" y="1386738"/>
+            <a:off x="293434" y="1480045"/>
             <a:ext cx="11620752" cy="5534845"/>
           </a:xfrm>
         </p:spPr>
@@ -6876,6 +6876,89 @@
                 <a:ea typeface="Times New Roman" panose="02020603050405020304" pitchFamily="18" charset="0"/>
               </a:rPr>
               <a:t> to be</a:t>
+            </a:r>
+          </a:p>
+          <a:p>
+            <a:endParaRPr lang="en-GB" sz="2000" dirty="0">
+              <a:solidFill>
+                <a:srgbClr val="4A4A4A"/>
+              </a:solidFill>
+              <a:latin typeface="Roboto" panose="02000000000000000000" pitchFamily="2" charset="0"/>
+            </a:endParaRPr>
+          </a:p>
+          <a:p>
+            <a:endParaRPr lang="en-GB" sz="2000" dirty="0">
+              <a:solidFill>
+                <a:srgbClr val="4A4A4A"/>
+              </a:solidFill>
+              <a:latin typeface="Roboto" panose="02000000000000000000" pitchFamily="2" charset="0"/>
+            </a:endParaRPr>
+          </a:p>
+          <a:p>
+            <a:endParaRPr lang="en-GB" sz="2000" dirty="0">
+              <a:solidFill>
+                <a:srgbClr val="4A4A4A"/>
+              </a:solidFill>
+              <a:latin typeface="Roboto" panose="02000000000000000000" pitchFamily="2" charset="0"/>
+            </a:endParaRPr>
+          </a:p>
+          <a:p>
+            <a:endParaRPr lang="en-GB" sz="2000" dirty="0">
+              <a:solidFill>
+                <a:srgbClr val="4A4A4A"/>
+              </a:solidFill>
+              <a:latin typeface="Roboto" panose="02000000000000000000" pitchFamily="2" charset="0"/>
+            </a:endParaRPr>
+          </a:p>
+          <a:p>
+            <a:endParaRPr lang="en-GB" sz="2000" dirty="0">
+              <a:solidFill>
+                <a:srgbClr val="4A4A4A"/>
+              </a:solidFill>
+              <a:latin typeface="Roboto" panose="02000000000000000000" pitchFamily="2" charset="0"/>
+            </a:endParaRPr>
+          </a:p>
+          <a:p>
+            <a:endParaRPr lang="en-GB" sz="2000" dirty="0">
+              <a:solidFill>
+                <a:srgbClr val="4A4A4A"/>
+              </a:solidFill>
+              <a:latin typeface="Roboto" panose="02000000000000000000" pitchFamily="2" charset="0"/>
+            </a:endParaRPr>
+          </a:p>
+          <a:p>
+            <a:endParaRPr lang="en-GB" sz="2000" dirty="0">
+              <a:solidFill>
+                <a:srgbClr val="4A4A4A"/>
+              </a:solidFill>
+              <a:latin typeface="Roboto" panose="02000000000000000000" pitchFamily="2" charset="0"/>
+            </a:endParaRPr>
+          </a:p>
+          <a:p>
+            <a:endParaRPr lang="en-GB" sz="2000" dirty="0">
+              <a:solidFill>
+                <a:srgbClr val="4A4A4A"/>
+              </a:solidFill>
+              <a:latin typeface="Roboto" panose="02000000000000000000" pitchFamily="2" charset="0"/>
+            </a:endParaRPr>
+          </a:p>
+          <a:p>
+            <a:endParaRPr lang="en-GB" sz="2000" dirty="0">
+              <a:solidFill>
+                <a:srgbClr val="4A4A4A"/>
+              </a:solidFill>
+              <a:latin typeface="Roboto" panose="02000000000000000000" pitchFamily="2" charset="0"/>
+            </a:endParaRPr>
+          </a:p>
+          <a:p>
+            <a:r>
+              <a:rPr lang="en-GB" sz="2000" dirty="0">
+                <a:solidFill>
+                  <a:srgbClr val="4A4A4A"/>
+                </a:solidFill>
+                <a:latin typeface="Roboto" panose="02000000000000000000" pitchFamily="2" charset="0"/>
+              </a:rPr>
+              <a:t>Just like with the Generic UI, but we now have a separate callback for changes to the gain slider</a:t>
             </a:r>
             <a:endParaRPr lang="en-GB" sz="2000" dirty="0">
               <a:solidFill>
@@ -6911,7 +6994,7 @@
         </p:blipFill>
         <p:spPr>
           <a:xfrm>
-            <a:off x="8563258" y="242226"/>
+            <a:off x="8656564" y="26076"/>
             <a:ext cx="3313849" cy="2703837"/>
           </a:xfrm>
           <a:prstGeom prst="rect">
@@ -6933,7 +7016,7 @@
         </p:nvSpPr>
         <p:spPr>
           <a:xfrm>
-            <a:off x="410067" y="3117588"/>
+            <a:off x="293434" y="2823673"/>
             <a:ext cx="11213182" cy="3416320"/>
           </a:xfrm>
           <a:prstGeom prst="rect">
@@ -8862,8 +8945,8 @@
         </p:nvSpPr>
         <p:spPr>
           <a:xfrm>
-            <a:off x="289088" y="911225"/>
-            <a:ext cx="11613823" cy="5475435"/>
+            <a:off x="368559" y="1023192"/>
+            <a:ext cx="11534352" cy="5475435"/>
           </a:xfrm>
         </p:spPr>
         <p:txBody>
@@ -9137,7 +9220,7 @@
                   <a:srgbClr val="000000"/>
                 </a:solidFill>
               </a:rPr>
-              <a:t> file, find the private section and add a variable;</a:t>
+              <a:t> file, add this variable to the private section;</a:t>
             </a:r>
           </a:p>
           <a:p>
@@ -9222,7 +9305,7 @@
             </a:pPr>
             <a:r>
               <a:rPr lang="en-GB" dirty="0"/>
-              <a:t>Now add a slider to change this variable.</a:t>
+              <a:t>In PluginProcessor.cpp constructor, add slider to change this variable.</a:t>
             </a:r>
           </a:p>
           <a:p>
@@ -9341,7 +9424,7 @@
                 </a:solidFill>
                 <a:latin typeface="Cascadia Mono" panose="020B0609020000020004" pitchFamily="49" charset="0"/>
               </a:rPr>
-              <a:t>, </a:t>
+              <a:t>,</a:t>
             </a:r>
             <a:r>
               <a:rPr lang="en-GB" sz="1800" dirty="0">
@@ -9359,7 +9442,7 @@
                 </a:solidFill>
                 <a:latin typeface="Cascadia Mono" panose="020B0609020000020004" pitchFamily="49" charset="0"/>
               </a:rPr>
-              <a:t>, 0.0f, 1.0f, 0.0f));</a:t>
+              <a:t>,0.0f,1.0f,0.0f));</a:t>
             </a:r>
           </a:p>
           <a:p>
@@ -9658,29 +9741,7 @@
                 <a:ea typeface="Times New Roman" panose="02020603050405020304" pitchFamily="18" charset="0"/>
                 <a:sym typeface="Wingdings" panose="05000000000000000000" pitchFamily="2" charset="2"/>
               </a:rPr>
-              <a:t>But it </a:t>
-            </a:r>
-            <a:r>
-              <a:rPr lang="en-GB" sz="1800" dirty="0" err="1">
-                <a:solidFill>
-                  <a:srgbClr val="4A4A4A"/>
-                </a:solidFill>
-                <a:effectLst/>
-                <a:ea typeface="Times New Roman" panose="02020603050405020304" pitchFamily="18" charset="0"/>
-                <a:sym typeface="Wingdings" panose="05000000000000000000" pitchFamily="2" charset="2"/>
-              </a:rPr>
-              <a:t>doesn</a:t>
-            </a:r>
-            <a:r>
-              <a:rPr lang="en-GB" sz="1800" dirty="0">
-                <a:solidFill>
-                  <a:srgbClr val="4A4A4A"/>
-                </a:solidFill>
-                <a:effectLst/>
-                <a:ea typeface="Times New Roman" panose="02020603050405020304" pitchFamily="18" charset="0"/>
-                <a:sym typeface="Wingdings" panose="05000000000000000000" pitchFamily="2" charset="2"/>
-              </a:rPr>
-              <a:t>[t do anything</a:t>
+              <a:t>But it doesn’t do anything</a:t>
             </a:r>
             <a:endParaRPr lang="en-GB" dirty="0">
               <a:solidFill>
@@ -10090,7 +10151,16 @@
                 </a:solidFill>
                 <a:latin typeface="Cascadia Mono" panose="020B0609020000020004" pitchFamily="49" charset="0"/>
               </a:rPr>
-              <a:t>[sample] = 2.0 </a:t>
+              <a:t>[sample] = </a:t>
+            </a:r>
+            <a:r>
+              <a:rPr lang="en-GB" sz="1800" b="1" i="1" dirty="0" err="1">
+                <a:solidFill>
+                  <a:srgbClr val="000000"/>
+                </a:solidFill>
+                <a:latin typeface="Cascadia Mono" panose="020B0609020000020004" pitchFamily="49" charset="0"/>
+              </a:rPr>
+              <a:t>gainValue</a:t>
             </a:r>
             <a:r>
               <a:rPr lang="en-GB" sz="1800" b="1" i="1" dirty="0">
@@ -10099,25 +10169,16 @@
                 </a:solidFill>
                 <a:latin typeface="Cascadia Mono" panose="020B0609020000020004" pitchFamily="49" charset="0"/>
               </a:rPr>
-              <a:t>* </a:t>
-            </a:r>
-            <a:r>
-              <a:rPr lang="en-GB" sz="1800" b="1" i="1" dirty="0" err="1">
-                <a:solidFill>
-                  <a:srgbClr val="000000"/>
-                </a:solidFill>
-                <a:latin typeface="Cascadia Mono" panose="020B0609020000020004" pitchFamily="49" charset="0"/>
-              </a:rPr>
-              <a:t>gainValue</a:t>
-            </a:r>
-            <a:r>
-              <a:rPr lang="en-GB" sz="1800" b="1" i="1" dirty="0">
-                <a:solidFill>
-                  <a:srgbClr val="000000"/>
-                </a:solidFill>
-                <a:latin typeface="Cascadia Mono" panose="020B0609020000020004" pitchFamily="49" charset="0"/>
-              </a:rPr>
-              <a:t> </a:t>
+              <a:t> * </a:t>
+            </a:r>
+            <a:r>
+              <a:rPr lang="en-GB" sz="1800" b="1" dirty="0">
+                <a:solidFill>
+                  <a:srgbClr val="000000"/>
+                </a:solidFill>
+                <a:latin typeface="Cascadia Mono" panose="020B0609020000020004" pitchFamily="49" charset="0"/>
+              </a:rPr>
+              <a:t>(2 </a:t>
             </a:r>
             <a:r>
               <a:rPr lang="en-GB" sz="1800" dirty="0">
@@ -10162,7 +10223,7 @@
                 </a:solidFill>
                 <a:latin typeface="Cascadia Mono" panose="020B0609020000020004" pitchFamily="49" charset="0"/>
               </a:rPr>
-              <a:t>)) - 1.0;</a:t>
+              <a:t>)) - 1.0);</a:t>
             </a:r>
           </a:p>
           <a:p>
@@ -10420,8 +10481,8 @@
         </p:blipFill>
         <p:spPr>
           <a:xfrm>
-            <a:off x="8115300" y="14055"/>
-            <a:ext cx="4076700" cy="2938696"/>
+            <a:off x="7849413" y="14054"/>
+            <a:ext cx="4342587" cy="3130361"/>
           </a:xfrm>
           <a:prstGeom prst="rect">
             <a:avLst/>
@@ -10442,8 +10503,8 @@
         </p:nvSpPr>
         <p:spPr>
           <a:xfrm>
-            <a:off x="26497" y="2747963"/>
-            <a:ext cx="11360802" cy="3970318"/>
+            <a:off x="152400" y="2522557"/>
+            <a:ext cx="9694508" cy="3970318"/>
           </a:xfrm>
           <a:prstGeom prst="rect">
             <a:avLst/>
@@ -10451,7 +10512,7 @@
           <a:noFill/>
         </p:spPr>
         <p:txBody>
-          <a:bodyPr wrap="none" rtlCol="0">
+          <a:bodyPr wrap="square" rtlCol="0">
             <a:spAutoFit/>
           </a:bodyPr>
           <a:lstStyle/>
@@ -10552,7 +10613,7 @@
                 </a:solidFill>
                 <a:latin typeface="Cascadia Mono" panose="020B0609020000020004" pitchFamily="49" charset="0"/>
               </a:rPr>
-              <a:t>              </a:t>
+              <a:t>  </a:t>
             </a:r>
             <a:r>
               <a:rPr lang="en-GB" dirty="0">
@@ -10712,7 +10773,7 @@
                 </a:solidFill>
                 <a:latin typeface="Cascadia Mono" panose="020B0609020000020004" pitchFamily="49" charset="0"/>
               </a:rPr>
-              <a:t>             </a:t>
+              <a:t>  </a:t>
             </a:r>
             <a:r>
               <a:rPr lang="en-GB" dirty="0">
@@ -10857,7 +10918,7 @@
                 </a:solidFill>
                 <a:latin typeface="Cascadia Mono" panose="020B0609020000020004" pitchFamily="49" charset="0"/>
               </a:rPr>
-              <a:t>             </a:t>
+              <a:t>  </a:t>
             </a:r>
             <a:r>
               <a:rPr lang="en-GB" dirty="0">
@@ -11038,7 +11099,7 @@
                 </a:solidFill>
                 <a:latin typeface="Cascadia Mono" panose="020B0609020000020004" pitchFamily="49" charset="0"/>
               </a:rPr>
-              <a:t>             </a:t>
+              <a:t>  </a:t>
             </a:r>
             <a:r>
               <a:rPr lang="en-GB" dirty="0">
@@ -11219,7 +11280,7 @@
                 </a:solidFill>
                 <a:latin typeface="Cascadia Mono" panose="020B0609020000020004" pitchFamily="49" charset="0"/>
               </a:rPr>
-              <a:t>             </a:t>
+              <a:t>  </a:t>
             </a:r>
             <a:r>
               <a:rPr lang="en-GB" dirty="0">
@@ -11364,7 +11425,7 @@
                 </a:solidFill>
                 <a:latin typeface="Cascadia Mono" panose="020B0609020000020004" pitchFamily="49" charset="0"/>
               </a:rPr>
-              <a:t>             </a:t>
+              <a:t>  </a:t>
             </a:r>
             <a:r>
               <a:rPr lang="en-GB" dirty="0">
@@ -11491,7 +11552,7 @@
                 </a:solidFill>
                 <a:latin typeface="Cascadia Mono" panose="020B0609020000020004" pitchFamily="49" charset="0"/>
               </a:rPr>
-              <a:t>             </a:t>
+              <a:t>  </a:t>
             </a:r>
             <a:r>
               <a:rPr lang="en-GB" dirty="0">
@@ -11608,8 +11669,8 @@
         </p:nvSpPr>
         <p:spPr>
           <a:xfrm>
-            <a:off x="90543" y="91084"/>
-            <a:ext cx="10162095" cy="928540"/>
+            <a:off x="883646" y="184390"/>
+            <a:ext cx="5526486" cy="1401814"/>
           </a:xfrm>
         </p:spPr>
         <p:txBody>
@@ -11643,8 +11704,8 @@
         </p:nvSpPr>
         <p:spPr>
           <a:xfrm>
-            <a:off x="509048" y="1085235"/>
-            <a:ext cx="7230015" cy="5667989"/>
+            <a:off x="298580" y="1978090"/>
+            <a:ext cx="7440483" cy="4775134"/>
           </a:xfrm>
         </p:spPr>
         <p:txBody>
@@ -11742,7 +11803,7 @@
                 <a:effectLst/>
                 <a:ea typeface="Times New Roman" panose="02020603050405020304" pitchFamily="18" charset="0"/>
               </a:rPr>
-              <a:t>Have a way to update the parameter when the control is changed</a:t>
+              <a:t>Update parameter when control is changed</a:t>
             </a:r>
           </a:p>
           <a:p>
@@ -11797,8 +11858,8 @@
         </p:blipFill>
         <p:spPr bwMode="auto">
           <a:xfrm>
-            <a:off x="8137271" y="3979260"/>
-            <a:ext cx="3878723" cy="2124977"/>
+            <a:off x="6966455" y="3867539"/>
+            <a:ext cx="5184000" cy="2840079"/>
           </a:xfrm>
           <a:prstGeom prst="rect">
             <a:avLst/>
@@ -11837,8 +11898,8 @@
         </p:blipFill>
         <p:spPr>
           <a:xfrm>
-            <a:off x="8103541" y="616055"/>
-            <a:ext cx="3946183" cy="1440900"/>
+            <a:off x="6966455" y="293913"/>
+            <a:ext cx="5184000" cy="1892874"/>
           </a:xfrm>
           <a:prstGeom prst="rect">
             <a:avLst/>
@@ -11859,7 +11920,7 @@
         </p:nvSpPr>
         <p:spPr>
           <a:xfrm>
-            <a:off x="9766177" y="2056955"/>
+            <a:off x="9248000" y="2056955"/>
             <a:ext cx="620910" cy="1922305"/>
           </a:xfrm>
           <a:prstGeom prst="downArrow">
@@ -12002,7 +12063,7 @@
         </p:nvSpPr>
         <p:spPr>
           <a:xfrm>
-            <a:off x="509048" y="1085236"/>
+            <a:off x="504383" y="931282"/>
             <a:ext cx="10769338" cy="4687528"/>
           </a:xfrm>
         </p:spPr>
@@ -12010,39 +12071,35 @@
           <a:bodyPr/>
           <a:lstStyle/>
           <a:p>
-            <a:pPr marL="0" indent="0">
-              <a:buNone/>
-            </a:pPr>
-            <a:r>
-              <a:rPr lang="en-GB" dirty="0">
+            <a:r>
+              <a:rPr lang="en-GB" sz="2400" dirty="0">
                 <a:solidFill>
                   <a:srgbClr val="4A4A4A"/>
                 </a:solidFill>
                 <a:effectLst/>
-                <a:latin typeface="Roboto" panose="02000000000000000000" pitchFamily="2" charset="0"/>
                 <a:ea typeface="Times New Roman" panose="02020603050405020304" pitchFamily="18" charset="0"/>
               </a:rPr>
-              <a:t>Generic UI only intended for prototyping</a:t>
-            </a:r>
-            <a:endParaRPr lang="en-GB" i="1" dirty="0">
+              <a:t>Go back to HelloWorld before generic UI</a:t>
+            </a:r>
+          </a:p>
+          <a:p>
+            <a:pPr lvl="1"/>
+            <a:r>
+              <a:rPr lang="en-GB" sz="2000" dirty="0">
+                <a:solidFill>
+                  <a:srgbClr val="4A4A4A"/>
+                </a:solidFill>
+                <a:ea typeface="Times New Roman" panose="02020603050405020304" pitchFamily="18" charset="0"/>
+              </a:rPr>
+              <a:t>So we will use the default editor</a:t>
+            </a:r>
+            <a:endParaRPr lang="en-GB" sz="2000" dirty="0">
               <a:solidFill>
                 <a:srgbClr val="4A4A4A"/>
               </a:solidFill>
-              <a:latin typeface="Roboto" panose="02000000000000000000" pitchFamily="2" charset="0"/>
+              <a:effectLst/>
               <a:ea typeface="Times New Roman" panose="02020603050405020304" pitchFamily="18" charset="0"/>
             </a:endParaRPr>
-          </a:p>
-          <a:p>
-            <a:r>
-              <a:rPr lang="en-GB" sz="2400" dirty="0">
-                <a:solidFill>
-                  <a:srgbClr val="4A4A4A"/>
-                </a:solidFill>
-                <a:effectLst/>
-                <a:ea typeface="Times New Roman" panose="02020603050405020304" pitchFamily="18" charset="0"/>
-              </a:rPr>
-              <a:t>Go back to HelloWorld before generic UI</a:t>
-            </a:r>
           </a:p>
           <a:p>
             <a:r>
@@ -12110,7 +12167,7 @@
                   <a:srgbClr val="4A4A4A"/>
                 </a:solidFill>
               </a:rPr>
-              <a:t>pluginProcessor</a:t>
+              <a:t>pluginProcessor.h</a:t>
             </a:r>
             <a:endParaRPr lang="en-GB" dirty="0"/>
           </a:p>
@@ -12130,7 +12187,7 @@
         </p:nvSpPr>
         <p:spPr>
           <a:xfrm>
-            <a:off x="626882" y="2515117"/>
+            <a:off x="622217" y="2193212"/>
             <a:ext cx="10223290" cy="1754326"/>
           </a:xfrm>
           <a:prstGeom prst="rect">
@@ -12695,8 +12752,8 @@
         </p:nvSpPr>
         <p:spPr>
           <a:xfrm>
-            <a:off x="626882" y="4770099"/>
-            <a:ext cx="10223290" cy="1754326"/>
+            <a:off x="622217" y="4616145"/>
+            <a:ext cx="10223290" cy="1477328"/>
           </a:xfrm>
           <a:prstGeom prst="rect">
             <a:avLst/>
@@ -12884,39 +12941,23 @@
               </a:rPr>
               <a:t>AudioProcessor</a:t>
             </a:r>
-            <a:endParaRPr kumimoji="0" lang="en-GB" sz="1800" b="0" i="0" u="none" strike="noStrike" kern="1200" cap="none" spc="0" normalizeH="0" baseline="0" noProof="0" dirty="0">
-              <a:ln>
-                <a:noFill/>
-              </a:ln>
-              <a:solidFill>
-                <a:srgbClr val="000000"/>
-              </a:solidFill>
-              <a:effectLst/>
-              <a:uLnTx/>
-              <a:uFillTx/>
-              <a:latin typeface="Cascadia Mono" panose="020B0609020000020004" pitchFamily="49" charset="0"/>
-              <a:ea typeface="+mn-ea"/>
-              <a:cs typeface="+mn-cs"/>
-            </a:endParaRPr>
-          </a:p>
-          <a:p>
-            <a:pPr marL="0" marR="0" lvl="0" indent="0" algn="l" defTabSz="914400" rtl="0" eaLnBrk="1" fontAlgn="auto" latinLnBrk="0" hangingPunct="1">
-              <a:lnSpc>
-                <a:spcPct val="100000"/>
-              </a:lnSpc>
-              <a:spcBef>
-                <a:spcPts val="0"/>
-              </a:spcBef>
-              <a:spcAft>
-                <a:spcPts val="0"/>
-              </a:spcAft>
-              <a:buClrTx/>
-              <a:buSzTx/>
-              <a:buFontTx/>
-              <a:buNone/>
-              <a:tabLst/>
-              <a:defRPr/>
-            </a:pPr>
+            <a:r>
+              <a:rPr kumimoji="0" lang="en-GB" sz="1800" b="0" i="0" u="none" strike="noStrike" kern="1200" cap="none" spc="0" normalizeH="0" baseline="0" noProof="0" dirty="0">
+                <a:ln>
+                  <a:noFill/>
+                </a:ln>
+                <a:solidFill>
+                  <a:srgbClr val="2B91AF"/>
+                </a:solidFill>
+                <a:effectLst/>
+                <a:uLnTx/>
+                <a:uFillTx/>
+                <a:latin typeface="Cascadia Mono" panose="020B0609020000020004" pitchFamily="49" charset="0"/>
+                <a:ea typeface="+mn-ea"/>
+                <a:cs typeface="+mn-cs"/>
+              </a:rPr>
+              <a:t> </a:t>
+            </a:r>
             <a:r>
               <a:rPr kumimoji="0" lang="en-GB" sz="1800" b="0" i="0" u="none" strike="noStrike" kern="1200" cap="none" spc="0" normalizeH="0" baseline="0" noProof="0" dirty="0">
                 <a:ln>
@@ -13244,57 +13285,76 @@
         </p:nvSpPr>
         <p:spPr>
           <a:xfrm>
-            <a:off x="509048" y="1085236"/>
+            <a:off x="340151" y="928541"/>
             <a:ext cx="10769338" cy="4687528"/>
           </a:xfrm>
         </p:spPr>
         <p:txBody>
-          <a:bodyPr/>
+          <a:bodyPr>
+            <a:normAutofit/>
+          </a:bodyPr>
           <a:lstStyle/>
           <a:p>
-            <a:pPr marL="0" indent="0">
-              <a:buNone/>
+            <a:pPr>
+              <a:lnSpc>
+                <a:spcPct val="120000"/>
+              </a:lnSpc>
+              <a:spcBef>
+                <a:spcPts val="600"/>
+              </a:spcBef>
             </a:pPr>
             <a:r>
-              <a:rPr lang="en-GB" dirty="0">
+              <a:rPr lang="en-GB" sz="2400" dirty="0">
                 <a:solidFill>
                   <a:srgbClr val="4A4A4A"/>
                 </a:solidFill>
-                <a:effectLst/>
-                <a:latin typeface="Roboto" panose="02000000000000000000" pitchFamily="2" charset="0"/>
-                <a:ea typeface="Times New Roman" panose="02020603050405020304" pitchFamily="18" charset="0"/>
-              </a:rPr>
-              <a:t>Generic UI only intended for prototyping</a:t>
-            </a:r>
-            <a:endParaRPr lang="en-GB" i="1" dirty="0">
+              </a:rPr>
+              <a:t>Add a function in the editor</a:t>
+            </a:r>
+          </a:p>
+          <a:p>
+            <a:endParaRPr lang="en-GB" sz="2400" dirty="0">
               <a:solidFill>
                 <a:srgbClr val="4A4A4A"/>
               </a:solidFill>
-              <a:latin typeface="Roboto" panose="02000000000000000000" pitchFamily="2" charset="0"/>
-              <a:ea typeface="Times New Roman" panose="02020603050405020304" pitchFamily="18" charset="0"/>
             </a:endParaRPr>
           </a:p>
           <a:p>
-            <a:r>
-              <a:rPr lang="en-GB" sz="2400" dirty="0">
-                <a:solidFill>
-                  <a:srgbClr val="4A4A4A"/>
-                </a:solidFill>
-                <a:effectLst/>
-                <a:ea typeface="Times New Roman" panose="02020603050405020304" pitchFamily="18" charset="0"/>
-              </a:rPr>
-              <a:t>Go back to HelloWorld before generic UI</a:t>
-            </a:r>
-          </a:p>
-          <a:p>
-            <a:r>
-              <a:rPr lang="en-GB" sz="2400" dirty="0">
-                <a:solidFill>
-                  <a:srgbClr val="4A4A4A"/>
-                </a:solidFill>
-              </a:rPr>
-              <a:t>Add a function in the editor</a:t>
-            </a:r>
+            <a:endParaRPr lang="en-GB" sz="2400" dirty="0">
+              <a:solidFill>
+                <a:srgbClr val="4A4A4A"/>
+              </a:solidFill>
+            </a:endParaRPr>
+          </a:p>
+          <a:p>
+            <a:endParaRPr lang="en-GB" sz="2400" dirty="0">
+              <a:solidFill>
+                <a:srgbClr val="4A4A4A"/>
+              </a:solidFill>
+            </a:endParaRPr>
+          </a:p>
+          <a:p>
+            <a:endParaRPr lang="en-GB" sz="2400" dirty="0">
+              <a:solidFill>
+                <a:srgbClr val="4A4A4A"/>
+              </a:solidFill>
+            </a:endParaRPr>
+          </a:p>
+          <a:p>
+            <a:endParaRPr lang="en-GB" sz="2400" dirty="0">
+              <a:solidFill>
+                <a:srgbClr val="4A4A4A"/>
+              </a:solidFill>
+            </a:endParaRPr>
+          </a:p>
+          <a:p>
+            <a:endParaRPr lang="en-GB" sz="2400" dirty="0">
+              <a:solidFill>
+                <a:srgbClr val="4A4A4A"/>
+              </a:solidFill>
+            </a:endParaRPr>
+          </a:p>
+          <a:p>
             <a:endParaRPr lang="en-GB" dirty="0"/>
           </a:p>
         </p:txBody>
@@ -13313,8 +13373,8 @@
         </p:nvSpPr>
         <p:spPr>
           <a:xfrm>
-            <a:off x="626882" y="2515117"/>
-            <a:ext cx="10223290" cy="2308324"/>
+            <a:off x="613175" y="2000018"/>
+            <a:ext cx="10223290" cy="2031325"/>
           </a:xfrm>
           <a:prstGeom prst="rect">
             <a:avLst/>
@@ -13805,43 +13865,7 @@
                 <a:ea typeface="+mn-ea"/>
                 <a:cs typeface="+mn-cs"/>
               </a:rPr>
-              <a:t>)</a:t>
-            </a:r>
-          </a:p>
-          <a:p>
-            <a:pPr marL="0" marR="0" lvl="0" indent="0" algn="l" defTabSz="914400" rtl="0" eaLnBrk="1" fontAlgn="auto" latinLnBrk="0" hangingPunct="1">
-              <a:lnSpc>
-                <a:spcPct val="100000"/>
-              </a:lnSpc>
-              <a:spcBef>
-                <a:spcPts val="0"/>
-              </a:spcBef>
-              <a:spcAft>
-                <a:spcPts val="0"/>
-              </a:spcAft>
-              <a:buClrTx/>
-              <a:buSzTx/>
-              <a:buFontTx/>
-              <a:buNone/>
-              <a:tabLst/>
-              <a:defRPr/>
-            </a:pPr>
-            <a:r>
-              <a:rPr kumimoji="0" lang="en-GB" sz="1800" b="0" i="0" u="none" strike="noStrike" kern="1200" cap="none" spc="0" normalizeH="0" baseline="0" noProof="0" dirty="0">
-                <a:ln>
-                  <a:noFill/>
-                </a:ln>
-                <a:solidFill>
-                  <a:srgbClr val="000000"/>
-                </a:solidFill>
-                <a:effectLst/>
-                <a:uLnTx/>
-                <a:uFillTx/>
-                <a:latin typeface="Cascadia Mono" panose="020B0609020000020004" pitchFamily="49" charset="0"/>
-                <a:ea typeface="+mn-ea"/>
-                <a:cs typeface="+mn-cs"/>
-              </a:rPr>
-              <a:t>{</a:t>
+              <a:t>) {</a:t>
             </a:r>
           </a:p>
           <a:p>
